--- a/images/toolbox.pptx
+++ b/images/toolbox.pptx
@@ -5,10 +5,11 @@
     <p:sldMasterId id="2147483648" r:id="rId1"/>
   </p:sldMasterIdLst>
   <p:notesMasterIdLst>
-    <p:notesMasterId r:id="rId3"/>
+    <p:notesMasterId r:id="rId4"/>
   </p:notesMasterIdLst>
   <p:sldIdLst>
     <p:sldId id="257" r:id="rId2"/>
+    <p:sldId id="258" r:id="rId3"/>
   </p:sldIdLst>
   <p:sldSz cx="12192000" cy="6858000"/>
   <p:notesSz cx="6858000" cy="9144000"/>
@@ -8948,6 +8949,204 @@
 </p:sld>
 </file>
 
+<file path=ppt/slides/slide2.xml><?xml version="1.0" encoding="utf-8"?>
+<p:sld xmlns:a="http://schemas.openxmlformats.org/drawingml/2006/main" xmlns:r="http://schemas.openxmlformats.org/officeDocument/2006/relationships" xmlns:p="http://schemas.openxmlformats.org/presentationml/2006/main">
+  <p:cSld>
+    <p:spTree>
+      <p:nvGrpSpPr>
+        <p:cNvPr id="1" name=""/>
+        <p:cNvGrpSpPr/>
+        <p:nvPr/>
+      </p:nvGrpSpPr>
+      <p:grpSpPr>
+        <a:xfrm>
+          <a:off x="0" y="0"/>
+          <a:ext cx="0" cy="0"/>
+          <a:chOff x="0" y="0"/>
+          <a:chExt cx="0" cy="0"/>
+        </a:xfrm>
+      </p:grpSpPr>
+      <p:grpSp>
+        <p:nvGrpSpPr>
+          <p:cNvPr id="5" name="组合 4">
+            <a:extLst>
+              <a:ext uri="{FF2B5EF4-FFF2-40B4-BE49-F238E27FC236}">
+                <a16:creationId xmlns:a16="http://schemas.microsoft.com/office/drawing/2014/main" id="{C7C2CC05-E649-6DA0-8B09-D33D1CCE6E36}"/>
+              </a:ext>
+            </a:extLst>
+          </p:cNvPr>
+          <p:cNvGrpSpPr/>
+          <p:nvPr/>
+        </p:nvGrpSpPr>
+        <p:grpSpPr>
+          <a:xfrm>
+            <a:off x="1550660" y="2563445"/>
+            <a:ext cx="8254253" cy="386461"/>
+            <a:chOff x="1550660" y="2563445"/>
+            <a:chExt cx="8254253" cy="386461"/>
+          </a:xfrm>
+        </p:grpSpPr>
+        <p:graphicFrame>
+          <p:nvGraphicFramePr>
+            <p:cNvPr id="2" name="对象 1">
+              <a:extLst>
+                <a:ext uri="{FF2B5EF4-FFF2-40B4-BE49-F238E27FC236}">
+                  <a16:creationId xmlns:a16="http://schemas.microsoft.com/office/drawing/2014/main" id="{9E6C1433-8B12-4A50-FF7A-EAE56D352B0B}"/>
+                </a:ext>
+              </a:extLst>
+            </p:cNvPr>
+            <p:cNvGraphicFramePr>
+              <a:graphicFrameLocks noChangeAspect="1"/>
+            </p:cNvGraphicFramePr>
+            <p:nvPr>
+              <p:extLst>
+                <p:ext uri="{D42A27DB-BD31-4B8C-83A1-F6EECF244321}">
+                  <p14:modId xmlns:p14="http://schemas.microsoft.com/office/powerpoint/2010/main" val="1600765341"/>
+                </p:ext>
+              </p:extLst>
+            </p:nvPr>
+          </p:nvGraphicFramePr>
+          <p:xfrm>
+            <a:off x="1857154" y="2580574"/>
+            <a:ext cx="7648353" cy="349250"/>
+          </p:xfrm>
+          <a:graphic>
+            <a:graphicData uri="http://schemas.openxmlformats.org/presentationml/2006/ole">
+              <mc:AlternateContent xmlns:mc="http://schemas.openxmlformats.org/markup-compatibility/2006">
+                <mc:Choice xmlns:v="urn:schemas-microsoft-com:vml" Requires="v">
+                  <p:oleObj name="Acrobat Document" r:id="rId2" imgW="2127167" imgH="349159" progId="Acrobat.Document.DC">
+                    <p:embed/>
+                  </p:oleObj>
+                </mc:Choice>
+                <mc:Fallback>
+                  <p:oleObj name="Acrobat Document" r:id="rId2" imgW="2127167" imgH="349159" progId="Acrobat.Document.DC">
+                    <p:embed/>
+                    <p:pic>
+                      <p:nvPicPr>
+                        <p:cNvPr id="0" name=""/>
+                        <p:cNvPicPr/>
+                        <p:nvPr/>
+                      </p:nvPicPr>
+                      <p:blipFill>
+                        <a:blip r:embed="rId3"/>
+                        <a:stretch>
+                          <a:fillRect/>
+                        </a:stretch>
+                      </p:blipFill>
+                      <p:spPr>
+                        <a:xfrm>
+                          <a:off x="1857154" y="2580574"/>
+                          <a:ext cx="7648353" cy="349250"/>
+                        </a:xfrm>
+                        <a:prstGeom prst="rect">
+                          <a:avLst/>
+                        </a:prstGeom>
+                      </p:spPr>
+                    </p:pic>
+                  </p:oleObj>
+                </mc:Fallback>
+              </mc:AlternateContent>
+            </a:graphicData>
+          </a:graphic>
+        </p:graphicFrame>
+        <p:sp>
+          <p:nvSpPr>
+            <p:cNvPr id="3" name="文本框 2">
+              <a:extLst>
+                <a:ext uri="{FF2B5EF4-FFF2-40B4-BE49-F238E27FC236}">
+                  <a16:creationId xmlns:a16="http://schemas.microsoft.com/office/drawing/2014/main" id="{F3A0BCBB-E945-18A2-2A69-3A11247063C7}"/>
+                </a:ext>
+              </a:extLst>
+            </p:cNvPr>
+            <p:cNvSpPr txBox="1"/>
+            <p:nvPr/>
+          </p:nvSpPr>
+          <p:spPr>
+            <a:xfrm>
+              <a:off x="1550660" y="2580574"/>
+              <a:ext cx="306494" cy="369332"/>
+            </a:xfrm>
+            <a:prstGeom prst="rect">
+              <a:avLst/>
+            </a:prstGeom>
+            <a:noFill/>
+          </p:spPr>
+          <p:txBody>
+            <a:bodyPr wrap="none" rtlCol="0">
+              <a:spAutoFit/>
+            </a:bodyPr>
+            <a:lstStyle/>
+            <a:p>
+              <a:r>
+                <a:rPr lang="en-US" altLang="zh-CN" dirty="0">
+                  <a:latin typeface="Times New Roman" panose="02020603050405020304" pitchFamily="18" charset="0"/>
+                  <a:cs typeface="Times New Roman" panose="02020603050405020304" pitchFamily="18" charset="0"/>
+                </a:rPr>
+                <a:t>0</a:t>
+              </a:r>
+              <a:endParaRPr lang="zh-CN" altLang="en-US" dirty="0">
+                <a:latin typeface="Times New Roman" panose="02020603050405020304" pitchFamily="18" charset="0"/>
+                <a:cs typeface="Times New Roman" panose="02020603050405020304" pitchFamily="18" charset="0"/>
+              </a:endParaRPr>
+            </a:p>
+          </p:txBody>
+        </p:sp>
+        <p:sp>
+          <p:nvSpPr>
+            <p:cNvPr id="4" name="文本框 3">
+              <a:extLst>
+                <a:ext uri="{FF2B5EF4-FFF2-40B4-BE49-F238E27FC236}">
+                  <a16:creationId xmlns:a16="http://schemas.microsoft.com/office/drawing/2014/main" id="{C16DFA2D-41CD-FDCC-9052-BE4B1FFAF536}"/>
+                </a:ext>
+              </a:extLst>
+            </p:cNvPr>
+            <p:cNvSpPr txBox="1"/>
+            <p:nvPr/>
+          </p:nvSpPr>
+          <p:spPr>
+            <a:xfrm>
+              <a:off x="9504831" y="2563445"/>
+              <a:ext cx="300082" cy="369332"/>
+            </a:xfrm>
+            <a:prstGeom prst="rect">
+              <a:avLst/>
+            </a:prstGeom>
+            <a:noFill/>
+          </p:spPr>
+          <p:txBody>
+            <a:bodyPr wrap="none" rtlCol="0">
+              <a:spAutoFit/>
+            </a:bodyPr>
+            <a:lstStyle/>
+            <a:p>
+              <a:r>
+                <a:rPr lang="en-US" altLang="zh-CN" dirty="0">
+                  <a:latin typeface="Times New Roman" panose="02020603050405020304" pitchFamily="18" charset="0"/>
+                  <a:cs typeface="Times New Roman" panose="02020603050405020304" pitchFamily="18" charset="0"/>
+                </a:rPr>
+                <a:t>1</a:t>
+              </a:r>
+              <a:endParaRPr lang="zh-CN" altLang="en-US" dirty="0">
+                <a:latin typeface="Times New Roman" panose="02020603050405020304" pitchFamily="18" charset="0"/>
+                <a:cs typeface="Times New Roman" panose="02020603050405020304" pitchFamily="18" charset="0"/>
+              </a:endParaRPr>
+            </a:p>
+          </p:txBody>
+        </p:sp>
+      </p:grpSp>
+    </p:spTree>
+    <p:extLst>
+      <p:ext uri="{BB962C8B-B14F-4D97-AF65-F5344CB8AC3E}">
+        <p14:creationId xmlns:p14="http://schemas.microsoft.com/office/powerpoint/2010/main" val="2465347878"/>
+      </p:ext>
+    </p:extLst>
+  </p:cSld>
+  <p:clrMapOvr>
+    <a:masterClrMapping/>
+  </p:clrMapOvr>
+</p:sld>
+</file>
+
 <file path=ppt/theme/theme1.xml><?xml version="1.0" encoding="utf-8"?>
 <a:theme xmlns:a="http://schemas.openxmlformats.org/drawingml/2006/main" name="Office 主题​​">
   <a:themeElements>
